--- a/CSE216-S19/slides/PPT/CSE216_Lec3.pptx
+++ b/CSE216-S19/slides/PPT/CSE216_Lec3.pptx
@@ -47,14 +47,14 @@
     <p:sldId id="504" r:id="rId38"/>
     <p:sldId id="576" r:id="rId39"/>
     <p:sldId id="516" r:id="rId40"/>
-    <p:sldId id="533" r:id="rId41"/>
-    <p:sldId id="515" r:id="rId42"/>
-    <p:sldId id="577" r:id="rId43"/>
-    <p:sldId id="578" r:id="rId44"/>
-    <p:sldId id="467" r:id="rId45"/>
-    <p:sldId id="518" r:id="rId46"/>
-    <p:sldId id="468" r:id="rId47"/>
-    <p:sldId id="579" r:id="rId48"/>
+    <p:sldId id="515" r:id="rId41"/>
+    <p:sldId id="577" r:id="rId42"/>
+    <p:sldId id="578" r:id="rId43"/>
+    <p:sldId id="467" r:id="rId44"/>
+    <p:sldId id="518" r:id="rId45"/>
+    <p:sldId id="468" r:id="rId46"/>
+    <p:sldId id="579" r:id="rId47"/>
+    <p:sldId id="533" r:id="rId48"/>
     <p:sldId id="474" r:id="rId49"/>
     <p:sldId id="510" r:id="rId50"/>
     <p:sldId id="538" r:id="rId51"/>
@@ -9940,7 +9940,7 @@
           <a:graphicData uri="http://schemas.openxmlformats.org/presentationml/2006/ole">
             <mc:AlternateContent xmlns:mc="http://schemas.openxmlformats.org/markup-compatibility/2006">
               <mc:Choice xmlns:v="urn:schemas-microsoft-com:vml" Requires="v">
-                <p:oleObj spid="_x0000_s1098" name="Picture" r:id="rId4" imgW="4228338" imgH="1603248" progId="Word.Picture.8">
+                <p:oleObj spid="_x0000_s1104" name="Picture" r:id="rId4" imgW="4228338" imgH="1603248" progId="Word.Picture.8">
                   <p:embed/>
                 </p:oleObj>
               </mc:Choice>
@@ -10025,7 +10025,7 @@
           <a:graphicData uri="http://schemas.openxmlformats.org/presentationml/2006/ole">
             <mc:AlternateContent xmlns:mc="http://schemas.openxmlformats.org/markup-compatibility/2006">
               <mc:Choice xmlns:v="urn:schemas-microsoft-com:vml" Requires="v">
-                <p:oleObj spid="_x0000_s1099" name="Picture" r:id="rId6" imgW="5437632" imgH="2209800" progId="Word.Picture.8">
+                <p:oleObj spid="_x0000_s1105" name="Picture" r:id="rId6" imgW="5437632" imgH="2209800" progId="Word.Picture.8">
                   <p:embed/>
                 </p:oleObj>
               </mc:Choice>
@@ -10471,7 +10471,7 @@
           <a:graphicData uri="http://schemas.openxmlformats.org/presentationml/2006/ole">
             <mc:AlternateContent xmlns:mc="http://schemas.openxmlformats.org/markup-compatibility/2006">
               <mc:Choice xmlns:v="urn:schemas-microsoft-com:vml" Requires="v">
-                <p:oleObj spid="_x0000_s2122" name="Picture" r:id="rId4" imgW="2116836" imgH="1769364" progId="Word.Picture.8">
+                <p:oleObj spid="_x0000_s2128" name="Picture" r:id="rId4" imgW="2116836" imgH="1769364" progId="Word.Picture.8">
                   <p:embed/>
                 </p:oleObj>
               </mc:Choice>
@@ -10832,7 +10832,7 @@
           <a:graphicData uri="http://schemas.openxmlformats.org/presentationml/2006/ole">
             <mc:AlternateContent xmlns:mc="http://schemas.openxmlformats.org/markup-compatibility/2006">
               <mc:Choice xmlns:v="urn:schemas-microsoft-com:vml" Requires="v">
-                <p:oleObj spid="_x0000_s2123" name="Picture" r:id="rId6" imgW="1316736" imgH="2340864" progId="Word.Picture.8">
+                <p:oleObj spid="_x0000_s2129" name="Picture" r:id="rId6" imgW="1316736" imgH="2340864" progId="Word.Picture.8">
                   <p:embed/>
                 </p:oleObj>
               </mc:Choice>
@@ -11343,7 +11343,7 @@
           <a:graphicData uri="http://schemas.openxmlformats.org/presentationml/2006/ole">
             <mc:AlternateContent xmlns:mc="http://schemas.openxmlformats.org/markup-compatibility/2006">
               <mc:Choice xmlns:v="urn:schemas-microsoft-com:vml" Requires="v">
-                <p:oleObj spid="_x0000_s3146" name="Picture" r:id="rId4" imgW="2116836" imgH="1769364" progId="Word.Picture.8">
+                <p:oleObj spid="_x0000_s3152" name="Picture" r:id="rId4" imgW="2116836" imgH="1769364" progId="Word.Picture.8">
                   <p:embed/>
                 </p:oleObj>
               </mc:Choice>
@@ -11704,7 +11704,7 @@
           <a:graphicData uri="http://schemas.openxmlformats.org/presentationml/2006/ole">
             <mc:AlternateContent xmlns:mc="http://schemas.openxmlformats.org/markup-compatibility/2006">
               <mc:Choice xmlns:v="urn:schemas-microsoft-com:vml" Requires="v">
-                <p:oleObj spid="_x0000_s3147" name="Picture" r:id="rId6" imgW="1316736" imgH="2340864" progId="Word.Picture.8">
+                <p:oleObj spid="_x0000_s3153" name="Picture" r:id="rId6" imgW="1316736" imgH="2340864" progId="Word.Picture.8">
                   <p:embed/>
                 </p:oleObj>
               </mc:Choice>
@@ -12215,7 +12215,7 @@
           <a:graphicData uri="http://schemas.openxmlformats.org/presentationml/2006/ole">
             <mc:AlternateContent xmlns:mc="http://schemas.openxmlformats.org/markup-compatibility/2006">
               <mc:Choice xmlns:v="urn:schemas-microsoft-com:vml" Requires="v">
-                <p:oleObj spid="_x0000_s4170" name="Picture" r:id="rId4" imgW="2116836" imgH="1769364" progId="Word.Picture.8">
+                <p:oleObj spid="_x0000_s4176" name="Picture" r:id="rId4" imgW="2116836" imgH="1769364" progId="Word.Picture.8">
                   <p:embed/>
                 </p:oleObj>
               </mc:Choice>
@@ -12576,7 +12576,7 @@
           <a:graphicData uri="http://schemas.openxmlformats.org/presentationml/2006/ole">
             <mc:AlternateContent xmlns:mc="http://schemas.openxmlformats.org/markup-compatibility/2006">
               <mc:Choice xmlns:v="urn:schemas-microsoft-com:vml" Requires="v">
-                <p:oleObj spid="_x0000_s4171" name="Picture" r:id="rId6" imgW="1316736" imgH="2340864" progId="Word.Picture.8">
+                <p:oleObj spid="_x0000_s4177" name="Picture" r:id="rId6" imgW="1316736" imgH="2340864" progId="Word.Picture.8">
                   <p:embed/>
                 </p:oleObj>
               </mc:Choice>
@@ -13087,7 +13087,7 @@
           <a:graphicData uri="http://schemas.openxmlformats.org/presentationml/2006/ole">
             <mc:AlternateContent xmlns:mc="http://schemas.openxmlformats.org/markup-compatibility/2006">
               <mc:Choice xmlns:v="urn:schemas-microsoft-com:vml" Requires="v">
-                <p:oleObj spid="_x0000_s5194" name="Picture" r:id="rId4" imgW="2116836" imgH="1769364" progId="Word.Picture.8">
+                <p:oleObj spid="_x0000_s5200" name="Picture" r:id="rId4" imgW="2116836" imgH="1769364" progId="Word.Picture.8">
                   <p:embed/>
                 </p:oleObj>
               </mc:Choice>
@@ -13448,7 +13448,7 @@
           <a:graphicData uri="http://schemas.openxmlformats.org/presentationml/2006/ole">
             <mc:AlternateContent xmlns:mc="http://schemas.openxmlformats.org/markup-compatibility/2006">
               <mc:Choice xmlns:v="urn:schemas-microsoft-com:vml" Requires="v">
-                <p:oleObj spid="_x0000_s5195" name="Picture" r:id="rId6" imgW="1316736" imgH="2340864" progId="Word.Picture.8">
+                <p:oleObj spid="_x0000_s5201" name="Picture" r:id="rId6" imgW="1316736" imgH="2340864" progId="Word.Picture.8">
                   <p:embed/>
                 </p:oleObj>
               </mc:Choice>
@@ -13959,7 +13959,7 @@
           <a:graphicData uri="http://schemas.openxmlformats.org/presentationml/2006/ole">
             <mc:AlternateContent xmlns:mc="http://schemas.openxmlformats.org/markup-compatibility/2006">
               <mc:Choice xmlns:v="urn:schemas-microsoft-com:vml" Requires="v">
-                <p:oleObj spid="_x0000_s6218" name="Picture" r:id="rId4" imgW="2116836" imgH="1769364" progId="Word.Picture.8">
+                <p:oleObj spid="_x0000_s6224" name="Picture" r:id="rId4" imgW="2116836" imgH="1769364" progId="Word.Picture.8">
                   <p:embed/>
                 </p:oleObj>
               </mc:Choice>
@@ -14320,7 +14320,7 @@
           <a:graphicData uri="http://schemas.openxmlformats.org/presentationml/2006/ole">
             <mc:AlternateContent xmlns:mc="http://schemas.openxmlformats.org/markup-compatibility/2006">
               <mc:Choice xmlns:v="urn:schemas-microsoft-com:vml" Requires="v">
-                <p:oleObj spid="_x0000_s6219" name="Picture" r:id="rId6" imgW="1316736" imgH="2340864" progId="Word.Picture.8">
+                <p:oleObj spid="_x0000_s6225" name="Picture" r:id="rId6" imgW="1316736" imgH="2340864" progId="Word.Picture.8">
                   <p:embed/>
                 </p:oleObj>
               </mc:Choice>
@@ -14831,7 +14831,7 @@
           <a:graphicData uri="http://schemas.openxmlformats.org/presentationml/2006/ole">
             <mc:AlternateContent xmlns:mc="http://schemas.openxmlformats.org/markup-compatibility/2006">
               <mc:Choice xmlns:v="urn:schemas-microsoft-com:vml" Requires="v">
-                <p:oleObj spid="_x0000_s7242" name="Picture" r:id="rId4" imgW="2116836" imgH="1769364" progId="Word.Picture.8">
+                <p:oleObj spid="_x0000_s7248" name="Picture" r:id="rId4" imgW="2116836" imgH="1769364" progId="Word.Picture.8">
                   <p:embed/>
                 </p:oleObj>
               </mc:Choice>
@@ -15192,7 +15192,7 @@
           <a:graphicData uri="http://schemas.openxmlformats.org/presentationml/2006/ole">
             <mc:AlternateContent xmlns:mc="http://schemas.openxmlformats.org/markup-compatibility/2006">
               <mc:Choice xmlns:v="urn:schemas-microsoft-com:vml" Requires="v">
-                <p:oleObj spid="_x0000_s7243" name="Picture" r:id="rId6" imgW="1316736" imgH="2340864" progId="Word.Picture.8">
+                <p:oleObj spid="_x0000_s7249" name="Picture" r:id="rId6" imgW="1316736" imgH="2340864" progId="Word.Picture.8">
                   <p:embed/>
                 </p:oleObj>
               </mc:Choice>
@@ -15703,7 +15703,7 @@
           <a:graphicData uri="http://schemas.openxmlformats.org/presentationml/2006/ole">
             <mc:AlternateContent xmlns:mc="http://schemas.openxmlformats.org/markup-compatibility/2006">
               <mc:Choice xmlns:v="urn:schemas-microsoft-com:vml" Requires="v">
-                <p:oleObj spid="_x0000_s8266" name="Picture" r:id="rId4" imgW="2116836" imgH="1769364" progId="Word.Picture.8">
+                <p:oleObj spid="_x0000_s8272" name="Picture" r:id="rId4" imgW="2116836" imgH="1769364" progId="Word.Picture.8">
                   <p:embed/>
                 </p:oleObj>
               </mc:Choice>
@@ -16064,7 +16064,7 @@
           <a:graphicData uri="http://schemas.openxmlformats.org/presentationml/2006/ole">
             <mc:AlternateContent xmlns:mc="http://schemas.openxmlformats.org/markup-compatibility/2006">
               <mc:Choice xmlns:v="urn:schemas-microsoft-com:vml" Requires="v">
-                <p:oleObj spid="_x0000_s8267" name="Picture" r:id="rId6" imgW="1316736" imgH="2340864" progId="Word.Picture.8">
+                <p:oleObj spid="_x0000_s8273" name="Picture" r:id="rId6" imgW="1316736" imgH="2340864" progId="Word.Picture.8">
                   <p:embed/>
                 </p:oleObj>
               </mc:Choice>
@@ -16534,7 +16534,7 @@
           <a:graphicData uri="http://schemas.openxmlformats.org/presentationml/2006/ole">
             <mc:AlternateContent xmlns:mc="http://schemas.openxmlformats.org/markup-compatibility/2006">
               <mc:Choice xmlns:v="urn:schemas-microsoft-com:vml" Requires="v">
-                <p:oleObj spid="_x0000_s9290" name="Picture" r:id="rId4" imgW="2116836" imgH="1769364" progId="Word.Picture.8">
+                <p:oleObj spid="_x0000_s9296" name="Picture" r:id="rId4" imgW="2116836" imgH="1769364" progId="Word.Picture.8">
                   <p:embed/>
                 </p:oleObj>
               </mc:Choice>
@@ -16895,7 +16895,7 @@
           <a:graphicData uri="http://schemas.openxmlformats.org/presentationml/2006/ole">
             <mc:AlternateContent xmlns:mc="http://schemas.openxmlformats.org/markup-compatibility/2006">
               <mc:Choice xmlns:v="urn:schemas-microsoft-com:vml" Requires="v">
-                <p:oleObj spid="_x0000_s9291" name="Picture" r:id="rId6" imgW="1316736" imgH="2340864" progId="Word.Picture.8">
+                <p:oleObj spid="_x0000_s9297" name="Picture" r:id="rId6" imgW="1316736" imgH="2340864" progId="Word.Picture.8">
                   <p:embed/>
                 </p:oleObj>
               </mc:Choice>
@@ -17406,7 +17406,7 @@
           <a:graphicData uri="http://schemas.openxmlformats.org/presentationml/2006/ole">
             <mc:AlternateContent xmlns:mc="http://schemas.openxmlformats.org/markup-compatibility/2006">
               <mc:Choice xmlns:v="urn:schemas-microsoft-com:vml" Requires="v">
-                <p:oleObj spid="_x0000_s10314" name="Picture" r:id="rId4" imgW="2116836" imgH="1769364" progId="Word.Picture.8">
+                <p:oleObj spid="_x0000_s10320" name="Picture" r:id="rId4" imgW="2116836" imgH="1769364" progId="Word.Picture.8">
                   <p:embed/>
                 </p:oleObj>
               </mc:Choice>
@@ -17767,7 +17767,7 @@
           <a:graphicData uri="http://schemas.openxmlformats.org/presentationml/2006/ole">
             <mc:AlternateContent xmlns:mc="http://schemas.openxmlformats.org/markup-compatibility/2006">
               <mc:Choice xmlns:v="urn:schemas-microsoft-com:vml" Requires="v">
-                <p:oleObj spid="_x0000_s10315" name="Picture" r:id="rId6" imgW="1316736" imgH="2340864" progId="Word.Picture.8">
+                <p:oleObj spid="_x0000_s10321" name="Picture" r:id="rId6" imgW="1316736" imgH="2340864" progId="Word.Picture.8">
                   <p:embed/>
                 </p:oleObj>
               </mc:Choice>
@@ -18954,7 +18954,7 @@
           <a:graphicData uri="http://schemas.openxmlformats.org/presentationml/2006/ole">
             <mc:AlternateContent xmlns:mc="http://schemas.openxmlformats.org/markup-compatibility/2006">
               <mc:Choice xmlns:v="urn:schemas-microsoft-com:vml" Requires="v">
-                <p:oleObj spid="_x0000_s11338" name="Picture" r:id="rId4" imgW="2116836" imgH="1769364" progId="Word.Picture.8">
+                <p:oleObj spid="_x0000_s11344" name="Picture" r:id="rId4" imgW="2116836" imgH="1769364" progId="Word.Picture.8">
                   <p:embed/>
                 </p:oleObj>
               </mc:Choice>
@@ -19315,7 +19315,7 @@
           <a:graphicData uri="http://schemas.openxmlformats.org/presentationml/2006/ole">
             <mc:AlternateContent xmlns:mc="http://schemas.openxmlformats.org/markup-compatibility/2006">
               <mc:Choice xmlns:v="urn:schemas-microsoft-com:vml" Requires="v">
-                <p:oleObj spid="_x0000_s11339" name="Picture" r:id="rId6" imgW="1316736" imgH="2340864" progId="Word.Picture.8">
+                <p:oleObj spid="_x0000_s11345" name="Picture" r:id="rId6" imgW="1316736" imgH="2340864" progId="Word.Picture.8">
                   <p:embed/>
                 </p:oleObj>
               </mc:Choice>
@@ -22606,24 +22606,307 @@
       </p:grpSpPr>
       <p:sp>
         <p:nvSpPr>
-          <p:cNvPr id="2" name="Title 1">
-            <a:extLst>
-              <a:ext uri="{FF2B5EF4-FFF2-40B4-BE49-F238E27FC236}">
-                <a16:creationId xmlns:a16="http://schemas.microsoft.com/office/drawing/2014/main" id="{81894E5E-9572-465A-9061-78E4AB01A69D}"/>
-              </a:ext>
-            </a:extLst>
-          </p:cNvPr>
-          <p:cNvSpPr>
-            <a:spLocks noGrp="1"/>
+          <p:cNvPr id="44034" name="Rectangle 5"/>
+          <p:cNvSpPr>
+            <a:spLocks/>
+          </p:cNvSpPr>
+          <p:nvPr/>
+        </p:nvSpPr>
+        <p:spPr bwMode="auto">
+          <a:xfrm>
+            <a:off x="0" y="0"/>
+            <a:ext cx="9144000" cy="6858000"/>
+          </a:xfrm>
+          <a:prstGeom prst="rect">
+            <a:avLst/>
+          </a:prstGeom>
+          <a:noFill/>
+          <a:ln w="9525">
+            <a:solidFill>
+              <a:schemeClr val="tx1"/>
+            </a:solidFill>
+            <a:round/>
+            <a:headEnd/>
+            <a:tailEnd/>
+          </a:ln>
+          <a:extLst>
+            <a:ext uri="{909E8E84-426E-40DD-AFC4-6F175D3DCCD1}">
+              <a14:hiddenFill xmlns:a14="http://schemas.microsoft.com/office/drawing/2010/main">
+                <a:solidFill>
+                  <a:srgbClr val="FFFFFF"/>
+                </a:solidFill>
+              </a14:hiddenFill>
+            </a:ext>
+          </a:extLst>
+        </p:spPr>
+        <p:txBody>
+          <a:bodyPr lIns="0" tIns="0" rIns="0" bIns="0"/>
+          <a:lstStyle>
+            <a:lvl1pPr>
+              <a:defRPr sz="2400">
+                <a:solidFill>
+                  <a:schemeClr val="tx1"/>
+                </a:solidFill>
+                <a:latin typeface="Times New Roman" pitchFamily="18" charset="0"/>
+              </a:defRPr>
+            </a:lvl1pPr>
+            <a:lvl2pPr marL="742950" indent="-285750">
+              <a:defRPr sz="2400">
+                <a:solidFill>
+                  <a:schemeClr val="tx1"/>
+                </a:solidFill>
+                <a:latin typeface="Times New Roman" pitchFamily="18" charset="0"/>
+              </a:defRPr>
+            </a:lvl2pPr>
+            <a:lvl3pPr marL="1143000" indent="-228600">
+              <a:defRPr sz="2400">
+                <a:solidFill>
+                  <a:schemeClr val="tx1"/>
+                </a:solidFill>
+                <a:latin typeface="Times New Roman" pitchFamily="18" charset="0"/>
+              </a:defRPr>
+            </a:lvl3pPr>
+            <a:lvl4pPr marL="1600200" indent="-228600">
+              <a:defRPr sz="2400">
+                <a:solidFill>
+                  <a:schemeClr val="tx1"/>
+                </a:solidFill>
+                <a:latin typeface="Times New Roman" pitchFamily="18" charset="0"/>
+              </a:defRPr>
+            </a:lvl4pPr>
+            <a:lvl5pPr marL="2057400" indent="-228600">
+              <a:defRPr sz="2400">
+                <a:solidFill>
+                  <a:schemeClr val="tx1"/>
+                </a:solidFill>
+                <a:latin typeface="Times New Roman" pitchFamily="18" charset="0"/>
+              </a:defRPr>
+            </a:lvl5pPr>
+            <a:lvl6pPr marL="2514600" indent="-228600" eaLnBrk="0" fontAlgn="base" hangingPunct="0">
+              <a:spcBef>
+                <a:spcPct val="0"/>
+              </a:spcBef>
+              <a:spcAft>
+                <a:spcPct val="0"/>
+              </a:spcAft>
+              <a:defRPr sz="2400">
+                <a:solidFill>
+                  <a:schemeClr val="tx1"/>
+                </a:solidFill>
+                <a:latin typeface="Times New Roman" pitchFamily="18" charset="0"/>
+              </a:defRPr>
+            </a:lvl6pPr>
+            <a:lvl7pPr marL="2971800" indent="-228600" eaLnBrk="0" fontAlgn="base" hangingPunct="0">
+              <a:spcBef>
+                <a:spcPct val="0"/>
+              </a:spcBef>
+              <a:spcAft>
+                <a:spcPct val="0"/>
+              </a:spcAft>
+              <a:defRPr sz="2400">
+                <a:solidFill>
+                  <a:schemeClr val="tx1"/>
+                </a:solidFill>
+                <a:latin typeface="Times New Roman" pitchFamily="18" charset="0"/>
+              </a:defRPr>
+            </a:lvl7pPr>
+            <a:lvl8pPr marL="3429000" indent="-228600" eaLnBrk="0" fontAlgn="base" hangingPunct="0">
+              <a:spcBef>
+                <a:spcPct val="0"/>
+              </a:spcBef>
+              <a:spcAft>
+                <a:spcPct val="0"/>
+              </a:spcAft>
+              <a:defRPr sz="2400">
+                <a:solidFill>
+                  <a:schemeClr val="tx1"/>
+                </a:solidFill>
+                <a:latin typeface="Times New Roman" pitchFamily="18" charset="0"/>
+              </a:defRPr>
+            </a:lvl8pPr>
+            <a:lvl9pPr marL="3886200" indent="-228600" eaLnBrk="0" fontAlgn="base" hangingPunct="0">
+              <a:spcBef>
+                <a:spcPct val="0"/>
+              </a:spcBef>
+              <a:spcAft>
+                <a:spcPct val="0"/>
+              </a:spcAft>
+              <a:defRPr sz="2400">
+                <a:solidFill>
+                  <a:schemeClr val="tx1"/>
+                </a:solidFill>
+                <a:latin typeface="Times New Roman" pitchFamily="18" charset="0"/>
+              </a:defRPr>
+            </a:lvl9pPr>
+          </a:lstStyle>
+          <a:p>
+            <a:endParaRPr lang="en-US" altLang="en-US"/>
+          </a:p>
+        </p:txBody>
+      </p:sp>
+      <p:sp>
+        <p:nvSpPr>
+          <p:cNvPr id="44035" name="Rectangle 7"/>
+          <p:cNvSpPr>
+            <a:spLocks/>
+          </p:cNvSpPr>
+          <p:nvPr/>
+        </p:nvSpPr>
+        <p:spPr bwMode="auto">
+          <a:xfrm>
+            <a:off x="177800" y="6248400"/>
+            <a:ext cx="2908300" cy="241300"/>
+          </a:xfrm>
+          <a:prstGeom prst="rect">
+            <a:avLst/>
+          </a:prstGeom>
+          <a:noFill/>
+          <a:ln>
+            <a:noFill/>
+          </a:ln>
+          <a:extLst>
+            <a:ext uri="{909E8E84-426E-40DD-AFC4-6F175D3DCCD1}">
+              <a14:hiddenFill xmlns:a14="http://schemas.microsoft.com/office/drawing/2010/main">
+                <a:solidFill>
+                  <a:srgbClr val="FFFFFF"/>
+                </a:solidFill>
+              </a14:hiddenFill>
+            </a:ext>
+            <a:ext uri="{91240B29-F687-4F45-9708-019B960494DF}">
+              <a14:hiddenLine xmlns:a14="http://schemas.microsoft.com/office/drawing/2010/main" w="12700">
+                <a:solidFill>
+                  <a:schemeClr val="tx1"/>
+                </a:solidFill>
+                <a:miter lim="800000"/>
+                <a:headEnd/>
+                <a:tailEnd/>
+              </a14:hiddenLine>
+            </a:ext>
+          </a:extLst>
+        </p:spPr>
+        <p:txBody>
+          <a:bodyPr lIns="0" tIns="0" rIns="40639" bIns="0"/>
+          <a:lstStyle>
+            <a:lvl1pPr marL="39688">
+              <a:defRPr sz="2400">
+                <a:solidFill>
+                  <a:schemeClr val="tx1"/>
+                </a:solidFill>
+                <a:latin typeface="Times New Roman" pitchFamily="18" charset="0"/>
+              </a:defRPr>
+            </a:lvl1pPr>
+            <a:lvl2pPr marL="742950" indent="-285750">
+              <a:defRPr sz="2400">
+                <a:solidFill>
+                  <a:schemeClr val="tx1"/>
+                </a:solidFill>
+                <a:latin typeface="Times New Roman" pitchFamily="18" charset="0"/>
+              </a:defRPr>
+            </a:lvl2pPr>
+            <a:lvl3pPr marL="1143000" indent="-228600">
+              <a:defRPr sz="2400">
+                <a:solidFill>
+                  <a:schemeClr val="tx1"/>
+                </a:solidFill>
+                <a:latin typeface="Times New Roman" pitchFamily="18" charset="0"/>
+              </a:defRPr>
+            </a:lvl3pPr>
+            <a:lvl4pPr marL="1600200" indent="-228600">
+              <a:defRPr sz="2400">
+                <a:solidFill>
+                  <a:schemeClr val="tx1"/>
+                </a:solidFill>
+                <a:latin typeface="Times New Roman" pitchFamily="18" charset="0"/>
+              </a:defRPr>
+            </a:lvl4pPr>
+            <a:lvl5pPr marL="2057400" indent="-228600">
+              <a:defRPr sz="2400">
+                <a:solidFill>
+                  <a:schemeClr val="tx1"/>
+                </a:solidFill>
+                <a:latin typeface="Times New Roman" pitchFamily="18" charset="0"/>
+              </a:defRPr>
+            </a:lvl5pPr>
+            <a:lvl6pPr marL="2514600" indent="-228600" eaLnBrk="0" fontAlgn="base" hangingPunct="0">
+              <a:spcBef>
+                <a:spcPct val="0"/>
+              </a:spcBef>
+              <a:spcAft>
+                <a:spcPct val="0"/>
+              </a:spcAft>
+              <a:defRPr sz="2400">
+                <a:solidFill>
+                  <a:schemeClr val="tx1"/>
+                </a:solidFill>
+                <a:latin typeface="Times New Roman" pitchFamily="18" charset="0"/>
+              </a:defRPr>
+            </a:lvl6pPr>
+            <a:lvl7pPr marL="2971800" indent="-228600" eaLnBrk="0" fontAlgn="base" hangingPunct="0">
+              <a:spcBef>
+                <a:spcPct val="0"/>
+              </a:spcBef>
+              <a:spcAft>
+                <a:spcPct val="0"/>
+              </a:spcAft>
+              <a:defRPr sz="2400">
+                <a:solidFill>
+                  <a:schemeClr val="tx1"/>
+                </a:solidFill>
+                <a:latin typeface="Times New Roman" pitchFamily="18" charset="0"/>
+              </a:defRPr>
+            </a:lvl7pPr>
+            <a:lvl8pPr marL="3429000" indent="-228600" eaLnBrk="0" fontAlgn="base" hangingPunct="0">
+              <a:spcBef>
+                <a:spcPct val="0"/>
+              </a:spcBef>
+              <a:spcAft>
+                <a:spcPct val="0"/>
+              </a:spcAft>
+              <a:defRPr sz="2400">
+                <a:solidFill>
+                  <a:schemeClr val="tx1"/>
+                </a:solidFill>
+                <a:latin typeface="Times New Roman" pitchFamily="18" charset="0"/>
+              </a:defRPr>
+            </a:lvl8pPr>
+            <a:lvl9pPr marL="3886200" indent="-228600" eaLnBrk="0" fontAlgn="base" hangingPunct="0">
+              <a:spcBef>
+                <a:spcPct val="0"/>
+              </a:spcBef>
+              <a:spcAft>
+                <a:spcPct val="0"/>
+              </a:spcAft>
+              <a:defRPr sz="2400">
+                <a:solidFill>
+                  <a:schemeClr val="tx1"/>
+                </a:solidFill>
+                <a:latin typeface="Times New Roman" pitchFamily="18" charset="0"/>
+              </a:defRPr>
+            </a:lvl9pPr>
+          </a:lstStyle>
+          <a:p>
+            <a:endParaRPr lang="en-US" altLang="en-US" sz="1000">
+              <a:latin typeface="Arial" charset="0"/>
+              <a:cs typeface="Arial" charset="0"/>
+              <a:sym typeface="Arial" charset="0"/>
+            </a:endParaRPr>
+          </a:p>
+        </p:txBody>
+      </p:sp>
+      <p:sp>
+        <p:nvSpPr>
+          <p:cNvPr id="44037" name="Rectangle 9"/>
+          <p:cNvSpPr>
+            <a:spLocks noGrp="1" noChangeArrowheads="1"/>
           </p:cNvSpPr>
           <p:nvPr>
-            <p:ph type="title"/>
+            <p:ph type="body" idx="1"/>
           </p:nvPr>
         </p:nvSpPr>
         <p:spPr>
           <a:xfrm>
-            <a:off x="822960" y="139121"/>
-            <a:ext cx="7543800" cy="1450757"/>
+            <a:off x="425450" y="1825727"/>
+            <a:ext cx="8540750" cy="5619750"/>
           </a:xfrm>
         </p:spPr>
         <p:txBody>
@@ -22631,25 +22914,87 @@
           <a:lstStyle/>
           <a:p>
             <a:r>
-              <a:rPr lang="en-US" dirty="0"/>
-              <a:t>Python global</a:t>
-            </a:r>
-            <a:br>
-              <a:rPr lang="en-US" dirty="0"/>
-            </a:br>
-            <a:endParaRPr lang="en-US" dirty="0"/>
-          </a:p>
-        </p:txBody>
-      </p:sp>
-      <p:sp>
-        <p:nvSpPr>
-          <p:cNvPr id="4" name="Slide Number Placeholder 3">
-            <a:extLst>
-              <a:ext uri="{FF2B5EF4-FFF2-40B4-BE49-F238E27FC236}">
-                <a16:creationId xmlns:a16="http://schemas.microsoft.com/office/drawing/2014/main" id="{811D3D5C-8D47-46B2-921E-7BCB42F12994}"/>
-              </a:ext>
-            </a:extLst>
-          </p:cNvPr>
+              <a:rPr lang="en-US" altLang="en-US" sz="2800" dirty="0"/>
+              <a:t>In </a:t>
+            </a:r>
+            <a:r>
+              <a:rPr lang="en-US" altLang="en-US" sz="2800" b="1" i="1" dirty="0"/>
+              <a:t>static scope rules,</a:t>
+            </a:r>
+            <a:r>
+              <a:rPr lang="en-US" altLang="en-US" sz="2800" dirty="0"/>
+              <a:t> bindings are defined by the </a:t>
+            </a:r>
+            <a:r>
+              <a:rPr lang="en-US" altLang="en-US" sz="2800" b="1" dirty="0"/>
+              <a:t>physical (lexical) structure of the program</a:t>
+            </a:r>
+            <a:endParaRPr lang="en-US" altLang="en-US" sz="2800" dirty="0"/>
+          </a:p>
+          <a:p>
+            <a:r>
+              <a:rPr lang="en-US" altLang="en-US" sz="2800" b="1" i="1" dirty="0"/>
+              <a:t>Static scoping</a:t>
+            </a:r>
+            <a:r>
+              <a:rPr lang="en-US" altLang="en-US" sz="2800" dirty="0"/>
+              <a:t> (also called </a:t>
+            </a:r>
+            <a:r>
+              <a:rPr lang="en-US" altLang="en-US" sz="2800" i="1" dirty="0"/>
+              <a:t>lexical scoping</a:t>
+            </a:r>
+            <a:r>
+              <a:rPr lang="en-US" altLang="en-US" sz="2800" dirty="0"/>
+              <a:t>) rule examples: </a:t>
+            </a:r>
+          </a:p>
+          <a:p>
+            <a:pPr lvl="1"/>
+            <a:r>
+              <a:rPr lang="en-US" altLang="en-US" dirty="0"/>
+              <a:t>one big scope – one big segment of memory (old Basic),</a:t>
+            </a:r>
+          </a:p>
+          <a:p>
+            <a:pPr lvl="1"/>
+            <a:r>
+              <a:rPr lang="en-US" altLang="en-US" dirty="0"/>
+              <a:t>scope of a function (variables live through a function execution - Java)</a:t>
+            </a:r>
+          </a:p>
+          <a:p>
+            <a:pPr lvl="1"/>
+            <a:r>
+              <a:rPr lang="en-US" altLang="en-US" dirty="0"/>
+              <a:t>block scope (a local var. is available in the block in which is defined)</a:t>
+            </a:r>
+          </a:p>
+          <a:p>
+            <a:pPr lvl="1"/>
+            <a:r>
+              <a:rPr lang="en-US" altLang="en-US" dirty="0"/>
+              <a:t>nested subroutines (have access to the variables defined in the parent)</a:t>
+            </a:r>
+          </a:p>
+          <a:p>
+            <a:pPr lvl="1"/>
+            <a:r>
+              <a:rPr lang="en-US" altLang="en-US" dirty="0"/>
+              <a:t>if a variable is active in one or more scopes, then the closest nested scope rule applies</a:t>
+            </a:r>
+          </a:p>
+          <a:p>
+            <a:r>
+              <a:rPr lang="en-US" altLang="en-US" sz="2800" dirty="0"/>
+              <a:t>Lexical/static scoping is used in languages like C and Java</a:t>
+            </a:r>
+          </a:p>
+        </p:txBody>
+      </p:sp>
+      <p:sp>
+        <p:nvSpPr>
+          <p:cNvPr id="6" name="Slide Number Placeholder 3"/>
           <p:cNvSpPr>
             <a:spLocks noGrp="1"/>
           </p:cNvSpPr>
@@ -22665,7 +23010,7 @@
             <a:pPr>
               <a:defRPr/>
             </a:pPr>
-            <a:fld id="{E3CB00D5-2532-4D79-AF40-300F8C5686AC}" type="slidenum">
+            <a:fld id="{D48CD559-BE42-4F3F-9645-1DB6A25DB547}" type="slidenum">
               <a:rPr lang="en-US" smtClean="0"/>
               <a:pPr>
                 <a:defRPr/>
@@ -22678,238 +23023,39 @@
       </p:sp>
       <p:sp>
         <p:nvSpPr>
-          <p:cNvPr id="6" name="Rectangle 5">
-            <a:extLst>
-              <a:ext uri="{FF2B5EF4-FFF2-40B4-BE49-F238E27FC236}">
-                <a16:creationId xmlns:a16="http://schemas.microsoft.com/office/drawing/2014/main" id="{55032E87-21F9-4044-A2C7-8AF9DA7560AE}"/>
-              </a:ext>
-            </a:extLst>
-          </p:cNvPr>
-          <p:cNvSpPr/>
-          <p:nvPr/>
+          <p:cNvPr id="8" name="Rectangle 8"/>
+          <p:cNvSpPr>
+            <a:spLocks noGrp="1" noChangeArrowheads="1"/>
+          </p:cNvSpPr>
+          <p:nvPr>
+            <p:ph type="title"/>
+          </p:nvPr>
         </p:nvSpPr>
         <p:spPr>
           <a:xfrm>
-            <a:off x="564970" y="933776"/>
-            <a:ext cx="8235950" cy="5355312"/>
+            <a:off x="425450" y="985022"/>
+            <a:ext cx="8382000" cy="735012"/>
           </a:xfrm>
-          <a:prstGeom prst="rect">
-            <a:avLst/>
-          </a:prstGeom>
-          <a:solidFill>
-            <a:schemeClr val="bg1"/>
-          </a:solidFill>
         </p:spPr>
         <p:txBody>
-          <a:bodyPr wrap="square">
-            <a:spAutoFit/>
+          <a:bodyPr>
+            <a:normAutofit fontScale="90000"/>
           </a:bodyPr>
           <a:lstStyle/>
           <a:p>
             <a:r>
-              <a:rPr lang="en-US" sz="1800" dirty="0"/>
-              <a:t># Here, we're creating a variable 'x', in the __main__ scope.</a:t>
-            </a:r>
-          </a:p>
-          <a:p>
-            <a:r>
-              <a:rPr lang="en-US" sz="1800" dirty="0"/>
-              <a:t>x = 'None!'</a:t>
-            </a:r>
-          </a:p>
-          <a:p>
-            <a:r>
-              <a:rPr lang="en-US" sz="1800" dirty="0"/>
-              <a:t>def </a:t>
-            </a:r>
-            <a:r>
-              <a:rPr lang="en-US" sz="1800" dirty="0" err="1"/>
-              <a:t>func_A</a:t>
-            </a:r>
-            <a:r>
-              <a:rPr lang="en-US" sz="1800" dirty="0"/>
-              <a:t>():</a:t>
-            </a:r>
-          </a:p>
-          <a:p>
-            <a:r>
-              <a:rPr lang="en-US" sz="1800" dirty="0"/>
-              <a:t>  # The below declaration lets the function know that we mean the global 'x' when we refer to that variable, not any local one</a:t>
-            </a:r>
-          </a:p>
-          <a:p>
-            <a:r>
-              <a:rPr lang="en-US" sz="1800" dirty="0"/>
-              <a:t>  global x</a:t>
-            </a:r>
-          </a:p>
-          <a:p>
-            <a:r>
-              <a:rPr lang="en-US" sz="1800" dirty="0"/>
-              <a:t>  x = 'A'</a:t>
-            </a:r>
-          </a:p>
-          <a:p>
-            <a:r>
-              <a:rPr lang="en-US" sz="1800" dirty="0"/>
-              <a:t>  return x</a:t>
-            </a:r>
-          </a:p>
-          <a:p>
-            <a:r>
-              <a:rPr lang="en-US" sz="1800" dirty="0"/>
-              <a:t>def </a:t>
-            </a:r>
-            <a:r>
-              <a:rPr lang="en-US" sz="1800" dirty="0" err="1"/>
-              <a:t>func_B</a:t>
-            </a:r>
-            <a:r>
-              <a:rPr lang="en-US" sz="1800" dirty="0"/>
-              <a:t>():</a:t>
-            </a:r>
-          </a:p>
-          <a:p>
-            <a:r>
-              <a:rPr lang="en-US" sz="1800" dirty="0"/>
-              <a:t>  # Here, we are somewhat mislead.  We're actually involving two different</a:t>
-            </a:r>
-          </a:p>
-          <a:p>
-            <a:r>
-              <a:rPr lang="en-US" sz="1800" dirty="0"/>
-              <a:t>  #  variables named 'x'.  One is local to </a:t>
-            </a:r>
-            <a:r>
-              <a:rPr lang="en-US" sz="1800" dirty="0" err="1"/>
-              <a:t>func_B</a:t>
-            </a:r>
-            <a:r>
-              <a:rPr lang="en-US" sz="1800" dirty="0"/>
-              <a:t>, the other is global.</a:t>
-            </a:r>
-          </a:p>
-          <a:p>
-            <a:r>
-              <a:rPr lang="en-US" sz="1800" dirty="0"/>
-              <a:t>  # By calling </a:t>
-            </a:r>
-            <a:r>
-              <a:rPr lang="en-US" sz="1800" dirty="0" err="1"/>
-              <a:t>func_A</a:t>
-            </a:r>
-            <a:r>
-              <a:rPr lang="en-US" sz="1800" dirty="0"/>
-              <a:t>(), we do two things: we're reassigning the value</a:t>
-            </a:r>
-          </a:p>
-          <a:p>
-            <a:r>
-              <a:rPr lang="en-US" sz="1800" dirty="0"/>
-              <a:t>  #  of the GLOBAL x as part of </a:t>
-            </a:r>
-            <a:r>
-              <a:rPr lang="en-US" sz="1800" dirty="0" err="1"/>
-              <a:t>func_A</a:t>
-            </a:r>
-            <a:r>
-              <a:rPr lang="en-US" sz="1800" dirty="0"/>
-              <a:t>, and then taking that same value</a:t>
-            </a:r>
-          </a:p>
-          <a:p>
-            <a:r>
-              <a:rPr lang="en-US" sz="1800" dirty="0"/>
-              <a:t>  #  since it's returned by </a:t>
-            </a:r>
-            <a:r>
-              <a:rPr lang="en-US" sz="1800" dirty="0" err="1"/>
-              <a:t>func_A</a:t>
-            </a:r>
-            <a:r>
-              <a:rPr lang="en-US" sz="1800" dirty="0"/>
-              <a:t>, and assigning it to a LOCAL variable</a:t>
-            </a:r>
-          </a:p>
-          <a:p>
-            <a:r>
-              <a:rPr lang="en-US" sz="1800" dirty="0"/>
-              <a:t>  #  named 'x'.     </a:t>
-            </a:r>
-          </a:p>
-          <a:p>
-            <a:r>
-              <a:rPr lang="en-US" sz="1800" dirty="0"/>
-              <a:t>  x = </a:t>
-            </a:r>
-            <a:r>
-              <a:rPr lang="en-US" sz="1800" dirty="0" err="1"/>
-              <a:t>func_A</a:t>
-            </a:r>
-            <a:r>
-              <a:rPr lang="en-US" sz="1800" dirty="0"/>
-              <a:t>() # look at this as: </a:t>
-            </a:r>
-            <a:r>
-              <a:rPr lang="en-US" sz="1800" dirty="0" err="1"/>
-              <a:t>x_local</a:t>
-            </a:r>
-            <a:r>
-              <a:rPr lang="en-US" sz="1800" dirty="0"/>
-              <a:t> = </a:t>
-            </a:r>
-            <a:r>
-              <a:rPr lang="en-US" sz="1800" dirty="0" err="1"/>
-              <a:t>func_A</a:t>
-            </a:r>
-            <a:r>
-              <a:rPr lang="en-US" sz="1800" dirty="0"/>
-              <a:t>()</a:t>
-            </a:r>
-          </a:p>
-          <a:p>
-            <a:r>
-              <a:rPr lang="en-US" sz="1800" dirty="0"/>
-              <a:t>  # Here, we're assigning the value of 'B' to the LOCAL x.</a:t>
-            </a:r>
-          </a:p>
-          <a:p>
-            <a:r>
-              <a:rPr lang="en-US" sz="1800" dirty="0"/>
-              <a:t>  x = 'B' # look at this as: </a:t>
-            </a:r>
-            <a:r>
-              <a:rPr lang="en-US" sz="1800" dirty="0" err="1"/>
-              <a:t>x_local</a:t>
-            </a:r>
-            <a:r>
-              <a:rPr lang="en-US" sz="1800" dirty="0"/>
-              <a:t> = 'B'</a:t>
-            </a:r>
-          </a:p>
-          <a:p>
-            <a:r>
-              <a:rPr lang="en-US" sz="1800" dirty="0"/>
-              <a:t>  return x # look at this as: return </a:t>
-            </a:r>
-            <a:r>
-              <a:rPr lang="en-US" sz="1800" dirty="0" err="1"/>
-              <a:t>x_local</a:t>
-            </a:r>
-            <a:endParaRPr lang="en-US" sz="1800" dirty="0"/>
+              <a:rPr lang="en-US" altLang="en-US" sz="6000" dirty="0"/>
+              <a:t>Static Scope Rules</a:t>
+            </a:r>
           </a:p>
         </p:txBody>
       </p:sp>
     </p:spTree>
-    <p:extLst>
-      <p:ext uri="{BB962C8B-B14F-4D97-AF65-F5344CB8AC3E}">
-        <p14:creationId xmlns:p14="http://schemas.microsoft.com/office/powerpoint/2010/main" val="3159457581"/>
-      </p:ext>
-    </p:extLst>
   </p:cSld>
   <p:clrMapOvr>
     <a:masterClrMapping/>
   </p:clrMapOvr>
+  <p:transition spd="slow"/>
 </p:sld>
 </file>
 
@@ -22932,478 +23078,6 @@
       </p:grpSpPr>
       <p:sp>
         <p:nvSpPr>
-          <p:cNvPr id="44034" name="Rectangle 5"/>
-          <p:cNvSpPr>
-            <a:spLocks/>
-          </p:cNvSpPr>
-          <p:nvPr/>
-        </p:nvSpPr>
-        <p:spPr bwMode="auto">
-          <a:xfrm>
-            <a:off x="0" y="0"/>
-            <a:ext cx="9144000" cy="6858000"/>
-          </a:xfrm>
-          <a:prstGeom prst="rect">
-            <a:avLst/>
-          </a:prstGeom>
-          <a:noFill/>
-          <a:ln w="9525">
-            <a:solidFill>
-              <a:schemeClr val="tx1"/>
-            </a:solidFill>
-            <a:round/>
-            <a:headEnd/>
-            <a:tailEnd/>
-          </a:ln>
-          <a:extLst>
-            <a:ext uri="{909E8E84-426E-40DD-AFC4-6F175D3DCCD1}">
-              <a14:hiddenFill xmlns:a14="http://schemas.microsoft.com/office/drawing/2010/main">
-                <a:solidFill>
-                  <a:srgbClr val="FFFFFF"/>
-                </a:solidFill>
-              </a14:hiddenFill>
-            </a:ext>
-          </a:extLst>
-        </p:spPr>
-        <p:txBody>
-          <a:bodyPr lIns="0" tIns="0" rIns="0" bIns="0"/>
-          <a:lstStyle>
-            <a:lvl1pPr>
-              <a:defRPr sz="2400">
-                <a:solidFill>
-                  <a:schemeClr val="tx1"/>
-                </a:solidFill>
-                <a:latin typeface="Times New Roman" pitchFamily="18" charset="0"/>
-              </a:defRPr>
-            </a:lvl1pPr>
-            <a:lvl2pPr marL="742950" indent="-285750">
-              <a:defRPr sz="2400">
-                <a:solidFill>
-                  <a:schemeClr val="tx1"/>
-                </a:solidFill>
-                <a:latin typeface="Times New Roman" pitchFamily="18" charset="0"/>
-              </a:defRPr>
-            </a:lvl2pPr>
-            <a:lvl3pPr marL="1143000" indent="-228600">
-              <a:defRPr sz="2400">
-                <a:solidFill>
-                  <a:schemeClr val="tx1"/>
-                </a:solidFill>
-                <a:latin typeface="Times New Roman" pitchFamily="18" charset="0"/>
-              </a:defRPr>
-            </a:lvl3pPr>
-            <a:lvl4pPr marL="1600200" indent="-228600">
-              <a:defRPr sz="2400">
-                <a:solidFill>
-                  <a:schemeClr val="tx1"/>
-                </a:solidFill>
-                <a:latin typeface="Times New Roman" pitchFamily="18" charset="0"/>
-              </a:defRPr>
-            </a:lvl4pPr>
-            <a:lvl5pPr marL="2057400" indent="-228600">
-              <a:defRPr sz="2400">
-                <a:solidFill>
-                  <a:schemeClr val="tx1"/>
-                </a:solidFill>
-                <a:latin typeface="Times New Roman" pitchFamily="18" charset="0"/>
-              </a:defRPr>
-            </a:lvl5pPr>
-            <a:lvl6pPr marL="2514600" indent="-228600" eaLnBrk="0" fontAlgn="base" hangingPunct="0">
-              <a:spcBef>
-                <a:spcPct val="0"/>
-              </a:spcBef>
-              <a:spcAft>
-                <a:spcPct val="0"/>
-              </a:spcAft>
-              <a:defRPr sz="2400">
-                <a:solidFill>
-                  <a:schemeClr val="tx1"/>
-                </a:solidFill>
-                <a:latin typeface="Times New Roman" pitchFamily="18" charset="0"/>
-              </a:defRPr>
-            </a:lvl6pPr>
-            <a:lvl7pPr marL="2971800" indent="-228600" eaLnBrk="0" fontAlgn="base" hangingPunct="0">
-              <a:spcBef>
-                <a:spcPct val="0"/>
-              </a:spcBef>
-              <a:spcAft>
-                <a:spcPct val="0"/>
-              </a:spcAft>
-              <a:defRPr sz="2400">
-                <a:solidFill>
-                  <a:schemeClr val="tx1"/>
-                </a:solidFill>
-                <a:latin typeface="Times New Roman" pitchFamily="18" charset="0"/>
-              </a:defRPr>
-            </a:lvl7pPr>
-            <a:lvl8pPr marL="3429000" indent="-228600" eaLnBrk="0" fontAlgn="base" hangingPunct="0">
-              <a:spcBef>
-                <a:spcPct val="0"/>
-              </a:spcBef>
-              <a:spcAft>
-                <a:spcPct val="0"/>
-              </a:spcAft>
-              <a:defRPr sz="2400">
-                <a:solidFill>
-                  <a:schemeClr val="tx1"/>
-                </a:solidFill>
-                <a:latin typeface="Times New Roman" pitchFamily="18" charset="0"/>
-              </a:defRPr>
-            </a:lvl8pPr>
-            <a:lvl9pPr marL="3886200" indent="-228600" eaLnBrk="0" fontAlgn="base" hangingPunct="0">
-              <a:spcBef>
-                <a:spcPct val="0"/>
-              </a:spcBef>
-              <a:spcAft>
-                <a:spcPct val="0"/>
-              </a:spcAft>
-              <a:defRPr sz="2400">
-                <a:solidFill>
-                  <a:schemeClr val="tx1"/>
-                </a:solidFill>
-                <a:latin typeface="Times New Roman" pitchFamily="18" charset="0"/>
-              </a:defRPr>
-            </a:lvl9pPr>
-          </a:lstStyle>
-          <a:p>
-            <a:endParaRPr lang="en-US" altLang="en-US"/>
-          </a:p>
-        </p:txBody>
-      </p:sp>
-      <p:sp>
-        <p:nvSpPr>
-          <p:cNvPr id="44035" name="Rectangle 7"/>
-          <p:cNvSpPr>
-            <a:spLocks/>
-          </p:cNvSpPr>
-          <p:nvPr/>
-        </p:nvSpPr>
-        <p:spPr bwMode="auto">
-          <a:xfrm>
-            <a:off x="177800" y="6248400"/>
-            <a:ext cx="2908300" cy="241300"/>
-          </a:xfrm>
-          <a:prstGeom prst="rect">
-            <a:avLst/>
-          </a:prstGeom>
-          <a:noFill/>
-          <a:ln>
-            <a:noFill/>
-          </a:ln>
-          <a:extLst>
-            <a:ext uri="{909E8E84-426E-40DD-AFC4-6F175D3DCCD1}">
-              <a14:hiddenFill xmlns:a14="http://schemas.microsoft.com/office/drawing/2010/main">
-                <a:solidFill>
-                  <a:srgbClr val="FFFFFF"/>
-                </a:solidFill>
-              </a14:hiddenFill>
-            </a:ext>
-            <a:ext uri="{91240B29-F687-4F45-9708-019B960494DF}">
-              <a14:hiddenLine xmlns:a14="http://schemas.microsoft.com/office/drawing/2010/main" w="12700">
-                <a:solidFill>
-                  <a:schemeClr val="tx1"/>
-                </a:solidFill>
-                <a:miter lim="800000"/>
-                <a:headEnd/>
-                <a:tailEnd/>
-              </a14:hiddenLine>
-            </a:ext>
-          </a:extLst>
-        </p:spPr>
-        <p:txBody>
-          <a:bodyPr lIns="0" tIns="0" rIns="40639" bIns="0"/>
-          <a:lstStyle>
-            <a:lvl1pPr marL="39688">
-              <a:defRPr sz="2400">
-                <a:solidFill>
-                  <a:schemeClr val="tx1"/>
-                </a:solidFill>
-                <a:latin typeface="Times New Roman" pitchFamily="18" charset="0"/>
-              </a:defRPr>
-            </a:lvl1pPr>
-            <a:lvl2pPr marL="742950" indent="-285750">
-              <a:defRPr sz="2400">
-                <a:solidFill>
-                  <a:schemeClr val="tx1"/>
-                </a:solidFill>
-                <a:latin typeface="Times New Roman" pitchFamily="18" charset="0"/>
-              </a:defRPr>
-            </a:lvl2pPr>
-            <a:lvl3pPr marL="1143000" indent="-228600">
-              <a:defRPr sz="2400">
-                <a:solidFill>
-                  <a:schemeClr val="tx1"/>
-                </a:solidFill>
-                <a:latin typeface="Times New Roman" pitchFamily="18" charset="0"/>
-              </a:defRPr>
-            </a:lvl3pPr>
-            <a:lvl4pPr marL="1600200" indent="-228600">
-              <a:defRPr sz="2400">
-                <a:solidFill>
-                  <a:schemeClr val="tx1"/>
-                </a:solidFill>
-                <a:latin typeface="Times New Roman" pitchFamily="18" charset="0"/>
-              </a:defRPr>
-            </a:lvl4pPr>
-            <a:lvl5pPr marL="2057400" indent="-228600">
-              <a:defRPr sz="2400">
-                <a:solidFill>
-                  <a:schemeClr val="tx1"/>
-                </a:solidFill>
-                <a:latin typeface="Times New Roman" pitchFamily="18" charset="0"/>
-              </a:defRPr>
-            </a:lvl5pPr>
-            <a:lvl6pPr marL="2514600" indent="-228600" eaLnBrk="0" fontAlgn="base" hangingPunct="0">
-              <a:spcBef>
-                <a:spcPct val="0"/>
-              </a:spcBef>
-              <a:spcAft>
-                <a:spcPct val="0"/>
-              </a:spcAft>
-              <a:defRPr sz="2400">
-                <a:solidFill>
-                  <a:schemeClr val="tx1"/>
-                </a:solidFill>
-                <a:latin typeface="Times New Roman" pitchFamily="18" charset="0"/>
-              </a:defRPr>
-            </a:lvl6pPr>
-            <a:lvl7pPr marL="2971800" indent="-228600" eaLnBrk="0" fontAlgn="base" hangingPunct="0">
-              <a:spcBef>
-                <a:spcPct val="0"/>
-              </a:spcBef>
-              <a:spcAft>
-                <a:spcPct val="0"/>
-              </a:spcAft>
-              <a:defRPr sz="2400">
-                <a:solidFill>
-                  <a:schemeClr val="tx1"/>
-                </a:solidFill>
-                <a:latin typeface="Times New Roman" pitchFamily="18" charset="0"/>
-              </a:defRPr>
-            </a:lvl7pPr>
-            <a:lvl8pPr marL="3429000" indent="-228600" eaLnBrk="0" fontAlgn="base" hangingPunct="0">
-              <a:spcBef>
-                <a:spcPct val="0"/>
-              </a:spcBef>
-              <a:spcAft>
-                <a:spcPct val="0"/>
-              </a:spcAft>
-              <a:defRPr sz="2400">
-                <a:solidFill>
-                  <a:schemeClr val="tx1"/>
-                </a:solidFill>
-                <a:latin typeface="Times New Roman" pitchFamily="18" charset="0"/>
-              </a:defRPr>
-            </a:lvl8pPr>
-            <a:lvl9pPr marL="3886200" indent="-228600" eaLnBrk="0" fontAlgn="base" hangingPunct="0">
-              <a:spcBef>
-                <a:spcPct val="0"/>
-              </a:spcBef>
-              <a:spcAft>
-                <a:spcPct val="0"/>
-              </a:spcAft>
-              <a:defRPr sz="2400">
-                <a:solidFill>
-                  <a:schemeClr val="tx1"/>
-                </a:solidFill>
-                <a:latin typeface="Times New Roman" pitchFamily="18" charset="0"/>
-              </a:defRPr>
-            </a:lvl9pPr>
-          </a:lstStyle>
-          <a:p>
-            <a:endParaRPr lang="en-US" altLang="en-US" sz="1000">
-              <a:latin typeface="Arial" charset="0"/>
-              <a:cs typeface="Arial" charset="0"/>
-              <a:sym typeface="Arial" charset="0"/>
-            </a:endParaRPr>
-          </a:p>
-        </p:txBody>
-      </p:sp>
-      <p:sp>
-        <p:nvSpPr>
-          <p:cNvPr id="44037" name="Rectangle 9"/>
-          <p:cNvSpPr>
-            <a:spLocks noGrp="1" noChangeArrowheads="1"/>
-          </p:cNvSpPr>
-          <p:nvPr>
-            <p:ph type="body" idx="1"/>
-          </p:nvPr>
-        </p:nvSpPr>
-        <p:spPr>
-          <a:xfrm>
-            <a:off x="425450" y="1825727"/>
-            <a:ext cx="8540750" cy="5619750"/>
-          </a:xfrm>
-        </p:spPr>
-        <p:txBody>
-          <a:bodyPr/>
-          <a:lstStyle/>
-          <a:p>
-            <a:r>
-              <a:rPr lang="en-US" altLang="en-US" sz="2800" dirty="0"/>
-              <a:t>In </a:t>
-            </a:r>
-            <a:r>
-              <a:rPr lang="en-US" altLang="en-US" sz="2800" b="1" i="1" dirty="0"/>
-              <a:t>static scope rules,</a:t>
-            </a:r>
-            <a:r>
-              <a:rPr lang="en-US" altLang="en-US" sz="2800" dirty="0"/>
-              <a:t> bindings are defined by the </a:t>
-            </a:r>
-            <a:r>
-              <a:rPr lang="en-US" altLang="en-US" sz="2800" b="1" dirty="0"/>
-              <a:t>physical (lexical) structure of the program</a:t>
-            </a:r>
-            <a:endParaRPr lang="en-US" altLang="en-US" sz="2800" dirty="0"/>
-          </a:p>
-          <a:p>
-            <a:r>
-              <a:rPr lang="en-US" altLang="en-US" sz="2800" b="1" i="1" dirty="0"/>
-              <a:t>Static scoping</a:t>
-            </a:r>
-            <a:r>
-              <a:rPr lang="en-US" altLang="en-US" sz="2800" dirty="0"/>
-              <a:t> (also called </a:t>
-            </a:r>
-            <a:r>
-              <a:rPr lang="en-US" altLang="en-US" sz="2800" i="1" dirty="0"/>
-              <a:t>lexical scoping</a:t>
-            </a:r>
-            <a:r>
-              <a:rPr lang="en-US" altLang="en-US" sz="2800" dirty="0"/>
-              <a:t>) rule examples: </a:t>
-            </a:r>
-          </a:p>
-          <a:p>
-            <a:pPr lvl="1"/>
-            <a:r>
-              <a:rPr lang="en-US" altLang="en-US" dirty="0"/>
-              <a:t>one big scope – one big segment of memory (old Basic),</a:t>
-            </a:r>
-          </a:p>
-          <a:p>
-            <a:pPr lvl="1"/>
-            <a:r>
-              <a:rPr lang="en-US" altLang="en-US" dirty="0"/>
-              <a:t>scope of a function (variables live through a function execution - Java)</a:t>
-            </a:r>
-          </a:p>
-          <a:p>
-            <a:pPr lvl="1"/>
-            <a:r>
-              <a:rPr lang="en-US" altLang="en-US" dirty="0"/>
-              <a:t>block scope (a local var. is available in the block in which is defined)</a:t>
-            </a:r>
-          </a:p>
-          <a:p>
-            <a:pPr lvl="1"/>
-            <a:r>
-              <a:rPr lang="en-US" altLang="en-US" dirty="0"/>
-              <a:t>nested subroutines (have access to the variables defined in the parent)</a:t>
-            </a:r>
-          </a:p>
-          <a:p>
-            <a:pPr lvl="1"/>
-            <a:r>
-              <a:rPr lang="en-US" altLang="en-US" dirty="0"/>
-              <a:t>if a variable is active in one or more scopes, then the closest nested scope rule applies</a:t>
-            </a:r>
-          </a:p>
-          <a:p>
-            <a:r>
-              <a:rPr lang="en-US" altLang="en-US" sz="2800" dirty="0"/>
-              <a:t>Lexical/static scoping is used in languages like C and Java</a:t>
-            </a:r>
-          </a:p>
-        </p:txBody>
-      </p:sp>
-      <p:sp>
-        <p:nvSpPr>
-          <p:cNvPr id="6" name="Slide Number Placeholder 3"/>
-          <p:cNvSpPr>
-            <a:spLocks noGrp="1"/>
-          </p:cNvSpPr>
-          <p:nvPr>
-            <p:ph type="sldNum" sz="quarter" idx="11"/>
-          </p:nvPr>
-        </p:nvSpPr>
-        <p:spPr/>
-        <p:txBody>
-          <a:bodyPr/>
-          <a:lstStyle/>
-          <a:p>
-            <a:pPr>
-              <a:defRPr/>
-            </a:pPr>
-            <a:fld id="{D48CD559-BE42-4F3F-9645-1DB6A25DB547}" type="slidenum">
-              <a:rPr lang="en-US" smtClean="0"/>
-              <a:pPr>
-                <a:defRPr/>
-              </a:pPr>
-              <a:t>41</a:t>
-            </a:fld>
-            <a:endParaRPr lang="en-US"/>
-          </a:p>
-        </p:txBody>
-      </p:sp>
-      <p:sp>
-        <p:nvSpPr>
-          <p:cNvPr id="8" name="Rectangle 8"/>
-          <p:cNvSpPr>
-            <a:spLocks noGrp="1" noChangeArrowheads="1"/>
-          </p:cNvSpPr>
-          <p:nvPr>
-            <p:ph type="title"/>
-          </p:nvPr>
-        </p:nvSpPr>
-        <p:spPr>
-          <a:xfrm>
-            <a:off x="425450" y="985022"/>
-            <a:ext cx="8382000" cy="735012"/>
-          </a:xfrm>
-        </p:spPr>
-        <p:txBody>
-          <a:bodyPr>
-            <a:normAutofit fontScale="90000"/>
-          </a:bodyPr>
-          <a:lstStyle/>
-          <a:p>
-            <a:r>
-              <a:rPr lang="en-US" altLang="en-US" sz="6000" dirty="0"/>
-              <a:t>Static Scope Rules</a:t>
-            </a:r>
-          </a:p>
-        </p:txBody>
-      </p:sp>
-    </p:spTree>
-  </p:cSld>
-  <p:clrMapOvr>
-    <a:masterClrMapping/>
-  </p:clrMapOvr>
-  <p:transition spd="slow"/>
-</p:sld>
-</file>
-
-<file path=ppt/slides/slide42.xml><?xml version="1.0" encoding="utf-8"?>
-<p:sld xmlns:a="http://schemas.openxmlformats.org/drawingml/2006/main" xmlns:r="http://schemas.openxmlformats.org/officeDocument/2006/relationships" xmlns:p="http://schemas.openxmlformats.org/presentationml/2006/main">
-  <p:cSld>
-    <p:spTree>
-      <p:nvGrpSpPr>
-        <p:cNvPr id="1" name=""/>
-        <p:cNvGrpSpPr/>
-        <p:nvPr/>
-      </p:nvGrpSpPr>
-      <p:grpSpPr>
-        <a:xfrm>
-          <a:off x="0" y="0"/>
-          <a:ext cx="0" cy="0"/>
-          <a:chOff x="0" y="0"/>
-          <a:chExt cx="0" cy="0"/>
-        </a:xfrm>
-      </p:grpSpPr>
-      <p:sp>
-        <p:nvSpPr>
           <p:cNvPr id="2" name="Title 1">
             <a:extLst>
               <a:ext uri="{FF2B5EF4-FFF2-40B4-BE49-F238E27FC236}">
@@ -24032,7 +23706,7 @@
           <a:p>
             <a:fld id="{E29BF8A0-881F-9B42-8DF7-7F4C738CBC54}" type="slidenum">
               <a:rPr lang="en-US" smtClean="0"/>
-              <a:t>42</a:t>
+              <a:t>41</a:t>
             </a:fld>
             <a:endParaRPr lang="en-US"/>
           </a:p>
@@ -24085,55 +23759,6 @@
           </a:extLst>
         </p:spPr>
       </p:pic>
-      <p:sp>
-        <p:nvSpPr>
-          <p:cNvPr id="8" name="Rectangle 7">
-            <a:extLst>
-              <a:ext uri="{FF2B5EF4-FFF2-40B4-BE49-F238E27FC236}">
-                <a16:creationId xmlns:a16="http://schemas.microsoft.com/office/drawing/2014/main" id="{46FDB9E9-5C95-4E76-927C-4A81CEF73635}"/>
-              </a:ext>
-            </a:extLst>
-          </p:cNvPr>
-          <p:cNvSpPr/>
-          <p:nvPr/>
-        </p:nvSpPr>
-        <p:spPr>
-          <a:xfrm>
-            <a:off x="6430297" y="4404852"/>
-            <a:ext cx="2369574" cy="1858296"/>
-          </a:xfrm>
-          <a:prstGeom prst="rect">
-            <a:avLst/>
-          </a:prstGeom>
-          <a:ln>
-            <a:solidFill>
-              <a:schemeClr val="bg1"/>
-            </a:solidFill>
-          </a:ln>
-        </p:spPr>
-        <p:style>
-          <a:lnRef idx="2">
-            <a:schemeClr val="dk1"/>
-          </a:lnRef>
-          <a:fillRef idx="1">
-            <a:schemeClr val="lt1"/>
-          </a:fillRef>
-          <a:effectRef idx="0">
-            <a:schemeClr val="dk1"/>
-          </a:effectRef>
-          <a:fontRef idx="minor">
-            <a:schemeClr val="dk1"/>
-          </a:fontRef>
-        </p:style>
-        <p:txBody>
-          <a:bodyPr rtlCol="0" anchor="ctr"/>
-          <a:lstStyle/>
-          <a:p>
-            <a:pPr algn="ctr"/>
-            <a:endParaRPr lang="en-US"/>
-          </a:p>
-        </p:txBody>
-      </p:sp>
     </p:spTree>
     <p:extLst>
       <p:ext uri="{BB962C8B-B14F-4D97-AF65-F5344CB8AC3E}">
@@ -24147,7 +23772,7 @@
 </p:sld>
 </file>
 
-<file path=ppt/slides/slide43.xml><?xml version="1.0" encoding="utf-8"?>
+<file path=ppt/slides/slide42.xml><?xml version="1.0" encoding="utf-8"?>
 <p:sld xmlns:a="http://schemas.openxmlformats.org/drawingml/2006/main" xmlns:r="http://schemas.openxmlformats.org/officeDocument/2006/relationships" xmlns:p="http://schemas.openxmlformats.org/presentationml/2006/main">
   <p:cSld>
     <p:spTree>
@@ -24703,7 +24328,7 @@
           <a:p>
             <a:fld id="{E29BF8A0-881F-9B42-8DF7-7F4C738CBC54}" type="slidenum">
               <a:rPr lang="en-US" smtClean="0"/>
-              <a:t>43</a:t>
+              <a:t>42</a:t>
             </a:fld>
             <a:endParaRPr lang="en-US"/>
           </a:p>
@@ -24818,7 +24443,7 @@
 </p:sld>
 </file>
 
-<file path=ppt/slides/slide44.xml><?xml version="1.0" encoding="utf-8"?>
+<file path=ppt/slides/slide43.xml><?xml version="1.0" encoding="utf-8"?>
 <p:sld xmlns:a="http://schemas.openxmlformats.org/drawingml/2006/main" xmlns:r="http://schemas.openxmlformats.org/officeDocument/2006/relationships" xmlns:p="http://schemas.openxmlformats.org/presentationml/2006/main">
   <p:cSld>
     <p:spTree>
@@ -25209,7 +24834,7 @@
               <a:pPr>
                 <a:defRPr/>
               </a:pPr>
-              <a:t>44</a:t>
+              <a:t>43</a:t>
             </a:fld>
             <a:endParaRPr lang="en-US"/>
           </a:p>
@@ -25253,7 +24878,7 @@
 </p:sld>
 </file>
 
-<file path=ppt/slides/slide45.xml><?xml version="1.0" encoding="utf-8"?>
+<file path=ppt/slides/slide44.xml><?xml version="1.0" encoding="utf-8"?>
 <p:sld xmlns:a="http://schemas.openxmlformats.org/drawingml/2006/main" xmlns:r="http://schemas.openxmlformats.org/officeDocument/2006/relationships" xmlns:p="http://schemas.openxmlformats.org/presentationml/2006/main">
   <p:cSld>
     <p:spTree>
@@ -25839,7 +25464,7 @@
               <a:pPr>
                 <a:defRPr/>
               </a:pPr>
-              <a:t>45</a:t>
+              <a:t>44</a:t>
             </a:fld>
             <a:endParaRPr lang="en-US"/>
           </a:p>
@@ -26084,7 +25709,7 @@
 </p:sld>
 </file>
 
-<file path=ppt/slides/slide46.xml><?xml version="1.0" encoding="utf-8"?>
+<file path=ppt/slides/slide45.xml><?xml version="1.0" encoding="utf-8"?>
 <p:sld xmlns:a="http://schemas.openxmlformats.org/drawingml/2006/main" xmlns:r="http://schemas.openxmlformats.org/officeDocument/2006/relationships" xmlns:p="http://schemas.openxmlformats.org/presentationml/2006/main">
   <p:cSld>
     <p:spTree>
@@ -26468,7 +26093,7 @@
               <a:pPr>
                 <a:defRPr/>
               </a:pPr>
-              <a:t>46</a:t>
+              <a:t>45</a:t>
             </a:fld>
             <a:endParaRPr lang="en-US"/>
           </a:p>
@@ -26518,7 +26143,7 @@
 </p:sld>
 </file>
 
-<file path=ppt/slides/slide47.xml><?xml version="1.0" encoding="utf-8"?>
+<file path=ppt/slides/slide46.xml><?xml version="1.0" encoding="utf-8"?>
 <p:sld xmlns:a="http://schemas.openxmlformats.org/drawingml/2006/main" xmlns:r="http://schemas.openxmlformats.org/officeDocument/2006/relationships" xmlns:p="http://schemas.openxmlformats.org/presentationml/2006/main">
   <p:cSld>
     <p:spTree>
@@ -26605,7 +26230,10 @@
             <a:endParaRPr lang="en-US" dirty="0"/>
           </a:p>
           <a:p>
-            <a:endParaRPr lang="en-US" dirty="0"/>
+            <a:r>
+              <a:rPr lang="en-US" dirty="0"/>
+              <a:t>10</a:t>
+            </a:r>
           </a:p>
           <a:p>
             <a:endParaRPr lang="en-US" dirty="0"/>
@@ -26614,6 +26242,15 @@
             <a:r>
               <a:rPr lang="en-US" dirty="0"/>
               <a:t>Output with dynamic scoping:</a:t>
+            </a:r>
+          </a:p>
+          <a:p>
+            <a:endParaRPr lang="en-US" dirty="0"/>
+          </a:p>
+          <a:p>
+            <a:r>
+              <a:rPr lang="en-US" dirty="0"/>
+              <a:t>20</a:t>
             </a:r>
           </a:p>
         </p:txBody>
@@ -26670,7 +26307,7 @@
           <a:p>
             <a:fld id="{E29BF8A0-881F-9B42-8DF7-7F4C738CBC54}" type="slidenum">
               <a:rPr lang="en-US" smtClean="0"/>
-              <a:t>47</a:t>
+              <a:t>46</a:t>
             </a:fld>
             <a:endParaRPr lang="en-US"/>
           </a:p>
@@ -26710,6 +26347,332 @@
     <p:extLst>
       <p:ext uri="{BB962C8B-B14F-4D97-AF65-F5344CB8AC3E}">
         <p14:creationId xmlns:p14="http://schemas.microsoft.com/office/powerpoint/2010/main" val="1252114418"/>
+      </p:ext>
+    </p:extLst>
+  </p:cSld>
+  <p:clrMapOvr>
+    <a:masterClrMapping/>
+  </p:clrMapOvr>
+</p:sld>
+</file>
+
+<file path=ppt/slides/slide47.xml><?xml version="1.0" encoding="utf-8"?>
+<p:sld xmlns:a="http://schemas.openxmlformats.org/drawingml/2006/main" xmlns:r="http://schemas.openxmlformats.org/officeDocument/2006/relationships" xmlns:p="http://schemas.openxmlformats.org/presentationml/2006/main">
+  <p:cSld>
+    <p:spTree>
+      <p:nvGrpSpPr>
+        <p:cNvPr id="1" name=""/>
+        <p:cNvGrpSpPr/>
+        <p:nvPr/>
+      </p:nvGrpSpPr>
+      <p:grpSpPr>
+        <a:xfrm>
+          <a:off x="0" y="0"/>
+          <a:ext cx="0" cy="0"/>
+          <a:chOff x="0" y="0"/>
+          <a:chExt cx="0" cy="0"/>
+        </a:xfrm>
+      </p:grpSpPr>
+      <p:sp>
+        <p:nvSpPr>
+          <p:cNvPr id="2" name="Title 1">
+            <a:extLst>
+              <a:ext uri="{FF2B5EF4-FFF2-40B4-BE49-F238E27FC236}">
+                <a16:creationId xmlns:a16="http://schemas.microsoft.com/office/drawing/2014/main" id="{81894E5E-9572-465A-9061-78E4AB01A69D}"/>
+              </a:ext>
+            </a:extLst>
+          </p:cNvPr>
+          <p:cNvSpPr>
+            <a:spLocks noGrp="1"/>
+          </p:cNvSpPr>
+          <p:nvPr>
+            <p:ph type="title"/>
+          </p:nvPr>
+        </p:nvSpPr>
+        <p:spPr>
+          <a:xfrm>
+            <a:off x="822960" y="139121"/>
+            <a:ext cx="7543800" cy="1450757"/>
+          </a:xfrm>
+        </p:spPr>
+        <p:txBody>
+          <a:bodyPr/>
+          <a:lstStyle/>
+          <a:p>
+            <a:r>
+              <a:rPr lang="en-US" dirty="0"/>
+              <a:t>Python global</a:t>
+            </a:r>
+            <a:br>
+              <a:rPr lang="en-US" dirty="0"/>
+            </a:br>
+            <a:endParaRPr lang="en-US" dirty="0"/>
+          </a:p>
+        </p:txBody>
+      </p:sp>
+      <p:sp>
+        <p:nvSpPr>
+          <p:cNvPr id="4" name="Slide Number Placeholder 3">
+            <a:extLst>
+              <a:ext uri="{FF2B5EF4-FFF2-40B4-BE49-F238E27FC236}">
+                <a16:creationId xmlns:a16="http://schemas.microsoft.com/office/drawing/2014/main" id="{811D3D5C-8D47-46B2-921E-7BCB42F12994}"/>
+              </a:ext>
+            </a:extLst>
+          </p:cNvPr>
+          <p:cNvSpPr>
+            <a:spLocks noGrp="1"/>
+          </p:cNvSpPr>
+          <p:nvPr>
+            <p:ph type="sldNum" sz="quarter" idx="11"/>
+          </p:nvPr>
+        </p:nvSpPr>
+        <p:spPr/>
+        <p:txBody>
+          <a:bodyPr/>
+          <a:lstStyle/>
+          <a:p>
+            <a:pPr>
+              <a:defRPr/>
+            </a:pPr>
+            <a:fld id="{E3CB00D5-2532-4D79-AF40-300F8C5686AC}" type="slidenum">
+              <a:rPr lang="en-US" smtClean="0"/>
+              <a:pPr>
+                <a:defRPr/>
+              </a:pPr>
+              <a:t>47</a:t>
+            </a:fld>
+            <a:endParaRPr lang="en-US"/>
+          </a:p>
+        </p:txBody>
+      </p:sp>
+      <p:sp>
+        <p:nvSpPr>
+          <p:cNvPr id="6" name="Rectangle 5">
+            <a:extLst>
+              <a:ext uri="{FF2B5EF4-FFF2-40B4-BE49-F238E27FC236}">
+                <a16:creationId xmlns:a16="http://schemas.microsoft.com/office/drawing/2014/main" id="{55032E87-21F9-4044-A2C7-8AF9DA7560AE}"/>
+              </a:ext>
+            </a:extLst>
+          </p:cNvPr>
+          <p:cNvSpPr/>
+          <p:nvPr/>
+        </p:nvSpPr>
+        <p:spPr>
+          <a:xfrm>
+            <a:off x="564970" y="933776"/>
+            <a:ext cx="8235950" cy="5355312"/>
+          </a:xfrm>
+          <a:prstGeom prst="rect">
+            <a:avLst/>
+          </a:prstGeom>
+          <a:solidFill>
+            <a:schemeClr val="bg1"/>
+          </a:solidFill>
+        </p:spPr>
+        <p:txBody>
+          <a:bodyPr wrap="square">
+            <a:spAutoFit/>
+          </a:bodyPr>
+          <a:lstStyle/>
+          <a:p>
+            <a:r>
+              <a:rPr lang="en-US" sz="1800" dirty="0"/>
+              <a:t># Here, we're creating a variable 'x', in the __main__ scope.</a:t>
+            </a:r>
+          </a:p>
+          <a:p>
+            <a:r>
+              <a:rPr lang="en-US" sz="1800" dirty="0"/>
+              <a:t>x = 'None!'</a:t>
+            </a:r>
+          </a:p>
+          <a:p>
+            <a:r>
+              <a:rPr lang="en-US" sz="1800" dirty="0"/>
+              <a:t>def </a:t>
+            </a:r>
+            <a:r>
+              <a:rPr lang="en-US" sz="1800" dirty="0" err="1"/>
+              <a:t>func_A</a:t>
+            </a:r>
+            <a:r>
+              <a:rPr lang="en-US" sz="1800" dirty="0"/>
+              <a:t>():</a:t>
+            </a:r>
+          </a:p>
+          <a:p>
+            <a:r>
+              <a:rPr lang="en-US" sz="1800" dirty="0"/>
+              <a:t>  # The below declaration lets the function know that we mean the global 'x' when we refer to that variable, not any local one</a:t>
+            </a:r>
+          </a:p>
+          <a:p>
+            <a:r>
+              <a:rPr lang="en-US" sz="1800" dirty="0"/>
+              <a:t>  global x</a:t>
+            </a:r>
+          </a:p>
+          <a:p>
+            <a:r>
+              <a:rPr lang="en-US" sz="1800" dirty="0"/>
+              <a:t>  x = 'A'</a:t>
+            </a:r>
+          </a:p>
+          <a:p>
+            <a:r>
+              <a:rPr lang="en-US" sz="1800" dirty="0"/>
+              <a:t>  return x</a:t>
+            </a:r>
+          </a:p>
+          <a:p>
+            <a:r>
+              <a:rPr lang="en-US" sz="1800" dirty="0"/>
+              <a:t>def </a:t>
+            </a:r>
+            <a:r>
+              <a:rPr lang="en-US" sz="1800" dirty="0" err="1"/>
+              <a:t>func_B</a:t>
+            </a:r>
+            <a:r>
+              <a:rPr lang="en-US" sz="1800" dirty="0"/>
+              <a:t>():</a:t>
+            </a:r>
+          </a:p>
+          <a:p>
+            <a:r>
+              <a:rPr lang="en-US" sz="1800" dirty="0"/>
+              <a:t>  # Here, we are somewhat mislead.  We're actually involving two different</a:t>
+            </a:r>
+          </a:p>
+          <a:p>
+            <a:r>
+              <a:rPr lang="en-US" sz="1800" dirty="0"/>
+              <a:t>  #  variables named 'x'.  One is local to </a:t>
+            </a:r>
+            <a:r>
+              <a:rPr lang="en-US" sz="1800" dirty="0" err="1"/>
+              <a:t>func_B</a:t>
+            </a:r>
+            <a:r>
+              <a:rPr lang="en-US" sz="1800" dirty="0"/>
+              <a:t>, the other is global.</a:t>
+            </a:r>
+          </a:p>
+          <a:p>
+            <a:r>
+              <a:rPr lang="en-US" sz="1800" dirty="0"/>
+              <a:t>  # By calling </a:t>
+            </a:r>
+            <a:r>
+              <a:rPr lang="en-US" sz="1800" dirty="0" err="1"/>
+              <a:t>func_A</a:t>
+            </a:r>
+            <a:r>
+              <a:rPr lang="en-US" sz="1800" dirty="0"/>
+              <a:t>(), we do two things: we're reassigning the value</a:t>
+            </a:r>
+          </a:p>
+          <a:p>
+            <a:r>
+              <a:rPr lang="en-US" sz="1800" dirty="0"/>
+              <a:t>  #  of the GLOBAL x as part of </a:t>
+            </a:r>
+            <a:r>
+              <a:rPr lang="en-US" sz="1800" dirty="0" err="1"/>
+              <a:t>func_A</a:t>
+            </a:r>
+            <a:r>
+              <a:rPr lang="en-US" sz="1800" dirty="0"/>
+              <a:t>, and then taking that same value</a:t>
+            </a:r>
+          </a:p>
+          <a:p>
+            <a:r>
+              <a:rPr lang="en-US" sz="1800" dirty="0"/>
+              <a:t>  #  since it's returned by </a:t>
+            </a:r>
+            <a:r>
+              <a:rPr lang="en-US" sz="1800" dirty="0" err="1"/>
+              <a:t>func_A</a:t>
+            </a:r>
+            <a:r>
+              <a:rPr lang="en-US" sz="1800" dirty="0"/>
+              <a:t>, and assigning it to a LOCAL variable</a:t>
+            </a:r>
+          </a:p>
+          <a:p>
+            <a:r>
+              <a:rPr lang="en-US" sz="1800" dirty="0"/>
+              <a:t>  #  named 'x'.     </a:t>
+            </a:r>
+          </a:p>
+          <a:p>
+            <a:r>
+              <a:rPr lang="en-US" sz="1800" dirty="0"/>
+              <a:t>  x = </a:t>
+            </a:r>
+            <a:r>
+              <a:rPr lang="en-US" sz="1800" dirty="0" err="1"/>
+              <a:t>func_A</a:t>
+            </a:r>
+            <a:r>
+              <a:rPr lang="en-US" sz="1800" dirty="0"/>
+              <a:t>() # look at this as: </a:t>
+            </a:r>
+            <a:r>
+              <a:rPr lang="en-US" sz="1800" dirty="0" err="1"/>
+              <a:t>x_local</a:t>
+            </a:r>
+            <a:r>
+              <a:rPr lang="en-US" sz="1800" dirty="0"/>
+              <a:t> = </a:t>
+            </a:r>
+            <a:r>
+              <a:rPr lang="en-US" sz="1800" dirty="0" err="1"/>
+              <a:t>func_A</a:t>
+            </a:r>
+            <a:r>
+              <a:rPr lang="en-US" sz="1800" dirty="0"/>
+              <a:t>()</a:t>
+            </a:r>
+          </a:p>
+          <a:p>
+            <a:r>
+              <a:rPr lang="en-US" sz="1800" dirty="0"/>
+              <a:t>  # Here, we're assigning the value of 'B' to the LOCAL x.</a:t>
+            </a:r>
+          </a:p>
+          <a:p>
+            <a:r>
+              <a:rPr lang="en-US" sz="1800" dirty="0"/>
+              <a:t>  x = 'B' # look at this as: </a:t>
+            </a:r>
+            <a:r>
+              <a:rPr lang="en-US" sz="1800" dirty="0" err="1"/>
+              <a:t>x_local</a:t>
+            </a:r>
+            <a:r>
+              <a:rPr lang="en-US" sz="1800" dirty="0"/>
+              <a:t> = 'B'</a:t>
+            </a:r>
+          </a:p>
+          <a:p>
+            <a:r>
+              <a:rPr lang="en-US" sz="1800" dirty="0"/>
+              <a:t>  return x # look at this as: return </a:t>
+            </a:r>
+            <a:r>
+              <a:rPr lang="en-US" sz="1800" dirty="0" err="1"/>
+              <a:t>x_local</a:t>
+            </a:r>
+            <a:endParaRPr lang="en-US" sz="1800" dirty="0"/>
+          </a:p>
+        </p:txBody>
+      </p:sp>
+    </p:spTree>
+    <p:extLst>
+      <p:ext uri="{BB962C8B-B14F-4D97-AF65-F5344CB8AC3E}">
+        <p14:creationId xmlns:p14="http://schemas.microsoft.com/office/powerpoint/2010/main" val="2382516675"/>
       </p:ext>
     </p:extLst>
   </p:cSld>
